--- a/TimerTransformAnimation/TimerTransformAnimation.pptx
+++ b/TimerTransformAnimation/TimerTransformAnimation.pptx
@@ -110,6 +110,11 @@
       </a:defRPr>
     </a:lvl9pPr>
   </p:defaultTextStyle>
+  <p:extLst>
+    <p:ext uri="{EFAFB233-063F-42B5-8137-9DF3F51BA10A}">
+      <p15:sldGuideLst xmlns:p15="http://schemas.microsoft.com/office/powerpoint/2012/main"/>
+    </p:ext>
+  </p:extLst>
 </p:presentation>
 </file>
 
@@ -7827,11 +7832,41 @@
                 <a:latin typeface="Arial" panose="020B0604020202020204" pitchFamily="34" charset="0"/>
                 <a:cs typeface="Arial" panose="020B0604020202020204" pitchFamily="34" charset="0"/>
               </a:rPr>
-              <a:t> design</a:t>
-            </a:r>
-          </a:p>
-        </p:txBody>
-      </p:sp>
+              <a:t> design:</a:t>
+            </a:r>
+          </a:p>
+        </p:txBody>
+      </p:sp>
+      <p:pic>
+        <p:nvPicPr>
+          <p:cNvPr id="5" name="Picture 4">
+            <a:extLst>
+              <a:ext uri="{FF2B5EF4-FFF2-40B4-BE49-F238E27FC236}">
+                <a16:creationId xmlns:a16="http://schemas.microsoft.com/office/drawing/2014/main" id="{6284AD4A-4732-2A48-B738-2EA07C80BF92}"/>
+              </a:ext>
+            </a:extLst>
+          </p:cNvPr>
+          <p:cNvPicPr>
+            <a:picLocks noChangeAspect="1"/>
+          </p:cNvPicPr>
+          <p:nvPr/>
+        </p:nvPicPr>
+        <p:blipFill>
+          <a:blip r:embed="rId2"/>
+          <a:stretch>
+            <a:fillRect/>
+          </a:stretch>
+        </p:blipFill>
+        <p:spPr>
+          <a:xfrm>
+            <a:off x="8695200" y="1772356"/>
+            <a:ext cx="3395199" cy="5092799"/>
+          </a:xfrm>
+          <a:prstGeom prst="rect">
+            <a:avLst/>
+          </a:prstGeom>
+        </p:spPr>
+      </p:pic>
     </p:spTree>
     <p:extLst>
       <p:ext uri="{BB962C8B-B14F-4D97-AF65-F5344CB8AC3E}">

--- a/TimerTransformAnimation/TimerTransformAnimation.pptx
+++ b/TimerTransformAnimation/TimerTransformAnimation.pptx
@@ -5843,7 +5843,57 @@
                 <a:latin typeface="Arial" panose="020B0604020202020204" pitchFamily="34" charset="0"/>
                 <a:cs typeface="Arial" panose="020B0604020202020204" pitchFamily="34" charset="0"/>
               </a:rPr>
-              <a:t>() {</a:t>
+              <a:t>() { </a:t>
+            </a:r>
+            <a:r>
+              <a:rPr lang="en-US" dirty="0">
+                <a:solidFill>
+                  <a:srgbClr val="FF0000"/>
+                </a:solidFill>
+                <a:latin typeface="Arial" panose="020B0604020202020204" pitchFamily="34" charset="0"/>
+                <a:cs typeface="Arial" panose="020B0604020202020204" pitchFamily="34" charset="0"/>
+              </a:rPr>
+              <a:t>//</a:t>
+            </a:r>
+            <a:r>
+              <a:rPr lang="en-US" dirty="0" err="1">
+                <a:solidFill>
+                  <a:srgbClr val="FF0000"/>
+                </a:solidFill>
+                <a:latin typeface="Arial" panose="020B0604020202020204" pitchFamily="34" charset="0"/>
+                <a:cs typeface="Arial" panose="020B0604020202020204" pitchFamily="34" charset="0"/>
+              </a:rPr>
+              <a:t>Khởi</a:t>
+            </a:r>
+            <a:r>
+              <a:rPr lang="en-US" dirty="0">
+                <a:solidFill>
+                  <a:srgbClr val="FF0000"/>
+                </a:solidFill>
+                <a:latin typeface="Arial" panose="020B0604020202020204" pitchFamily="34" charset="0"/>
+                <a:cs typeface="Arial" panose="020B0604020202020204" pitchFamily="34" charset="0"/>
+              </a:rPr>
+              <a:t> </a:t>
+            </a:r>
+            <a:r>
+              <a:rPr lang="en-US" dirty="0" err="1">
+                <a:solidFill>
+                  <a:srgbClr val="FF0000"/>
+                </a:solidFill>
+                <a:latin typeface="Arial" panose="020B0604020202020204" pitchFamily="34" charset="0"/>
+                <a:cs typeface="Arial" panose="020B0604020202020204" pitchFamily="34" charset="0"/>
+              </a:rPr>
+              <a:t>tạo</a:t>
+            </a:r>
+            <a:r>
+              <a:rPr lang="en-US" dirty="0">
+                <a:solidFill>
+                  <a:srgbClr val="FF0000"/>
+                </a:solidFill>
+                <a:latin typeface="Arial" panose="020B0604020202020204" pitchFamily="34" charset="0"/>
+                <a:cs typeface="Arial" panose="020B0604020202020204" pitchFamily="34" charset="0"/>
+              </a:rPr>
+              <a:t> timer</a:t>
             </a:r>
           </a:p>
           <a:p>
@@ -5921,30 +5971,52 @@
                 <a:latin typeface="Arial" panose="020B0604020202020204" pitchFamily="34" charset="0"/>
                 <a:cs typeface="Arial" panose="020B0604020202020204" pitchFamily="34" charset="0"/>
               </a:rPr>
-              <a:t>            //</a:t>
-            </a:r>
-            <a:r>
-              <a:rPr lang="en-US" dirty="0" err="1">
+              <a:t>            </a:t>
+            </a:r>
+            <a:r>
+              <a:rPr lang="en-US" b="1" dirty="0">
+                <a:solidFill>
+                  <a:srgbClr val="FF0000"/>
+                </a:solidFill>
+                <a:latin typeface="Arial" panose="020B0604020202020204" pitchFamily="34" charset="0"/>
+                <a:cs typeface="Arial" panose="020B0604020202020204" pitchFamily="34" charset="0"/>
+              </a:rPr>
+              <a:t>//</a:t>
+            </a:r>
+            <a:r>
+              <a:rPr lang="en-US" b="1" dirty="0" err="1">
+                <a:solidFill>
+                  <a:srgbClr val="FF0000"/>
+                </a:solidFill>
                 <a:latin typeface="Arial" panose="020B0604020202020204" pitchFamily="34" charset="0"/>
                 <a:cs typeface="Arial" panose="020B0604020202020204" pitchFamily="34" charset="0"/>
               </a:rPr>
               <a:t>Hành</a:t>
             </a:r>
             <a:r>
-              <a:rPr lang="en-US" dirty="0">
+              <a:rPr lang="en-US" b="1" dirty="0">
+                <a:solidFill>
+                  <a:srgbClr val="FF0000"/>
+                </a:solidFill>
                 <a:latin typeface="Arial" panose="020B0604020202020204" pitchFamily="34" charset="0"/>
                 <a:cs typeface="Arial" panose="020B0604020202020204" pitchFamily="34" charset="0"/>
               </a:rPr>
               <a:t> </a:t>
             </a:r>
             <a:r>
-              <a:rPr lang="en-US" dirty="0" err="1">
+              <a:rPr lang="en-US" b="1" dirty="0" err="1">
+                <a:solidFill>
+                  <a:srgbClr val="FF0000"/>
+                </a:solidFill>
                 <a:latin typeface="Arial" panose="020B0604020202020204" pitchFamily="34" charset="0"/>
                 <a:cs typeface="Arial" panose="020B0604020202020204" pitchFamily="34" charset="0"/>
               </a:rPr>
               <a:t>động</a:t>
             </a:r>
-            <a:endParaRPr lang="en-US" dirty="0">
+            <a:endParaRPr lang="en-US" b="1" dirty="0">
+              <a:solidFill>
+                <a:srgbClr val="FF0000"/>
+              </a:solidFill>
               <a:latin typeface="Arial" panose="020B0604020202020204" pitchFamily="34" charset="0"/>
               <a:cs typeface="Arial" panose="020B0604020202020204" pitchFamily="34" charset="0"/>
             </a:endParaRPr>
@@ -6023,6 +6095,36 @@
                 <a:cs typeface="Arial" panose="020B0604020202020204" pitchFamily="34" charset="0"/>
               </a:rPr>
               <a:t>() {</a:t>
+            </a:r>
+            <a:r>
+              <a:rPr lang="en-US" dirty="0">
+                <a:solidFill>
+                  <a:srgbClr val="FF0000"/>
+                </a:solidFill>
+                <a:latin typeface="Arial" panose="020B0604020202020204" pitchFamily="34" charset="0"/>
+                <a:cs typeface="Arial" panose="020B0604020202020204" pitchFamily="34" charset="0"/>
+              </a:rPr>
+              <a:t>//</a:t>
+            </a:r>
+            <a:r>
+              <a:rPr lang="en-US" dirty="0" err="1">
+                <a:solidFill>
+                  <a:srgbClr val="FF0000"/>
+                </a:solidFill>
+                <a:latin typeface="Arial" panose="020B0604020202020204" pitchFamily="34" charset="0"/>
+                <a:cs typeface="Arial" panose="020B0604020202020204" pitchFamily="34" charset="0"/>
+              </a:rPr>
+              <a:t>Dừng</a:t>
+            </a:r>
+            <a:r>
+              <a:rPr lang="en-US" dirty="0">
+                <a:solidFill>
+                  <a:srgbClr val="FF0000"/>
+                </a:solidFill>
+                <a:latin typeface="Arial" panose="020B0604020202020204" pitchFamily="34" charset="0"/>
+                <a:cs typeface="Arial" panose="020B0604020202020204" pitchFamily="34" charset="0"/>
+              </a:rPr>
+              <a:t> timer </a:t>
             </a:r>
           </a:p>
           <a:p>

--- a/TimerTransformAnimation/TimerTransformAnimation.pptx
+++ b/TimerTransformAnimation/TimerTransformAnimation.pptx
@@ -6387,10 +6387,7 @@
             </a:r>
           </a:p>
           <a:p>
-            <a:pPr lvl="1">
-              <a:buFontTx/>
-              <a:buChar char="-"/>
-            </a:pPr>
+            <a:pPr lvl="1"/>
             <a:r>
               <a:rPr lang="en-US" dirty="0">
                 <a:latin typeface="Arial" panose="020B0604020202020204" pitchFamily="34" charset="0"/>
@@ -6400,10 +6397,7 @@
             </a:r>
           </a:p>
           <a:p>
-            <a:pPr lvl="1">
-              <a:buFontTx/>
-              <a:buChar char="-"/>
-            </a:pPr>
+            <a:pPr lvl="1"/>
             <a:r>
               <a:rPr lang="en-US" dirty="0" err="1">
                 <a:latin typeface="Arial" panose="020B0604020202020204" pitchFamily="34" charset="0"/>
@@ -6445,10 +6439,7 @@
             </a:endParaRPr>
           </a:p>
           <a:p>
-            <a:pPr lvl="1">
-              <a:buFontTx/>
-              <a:buChar char="-"/>
-            </a:pPr>
+            <a:pPr lvl="1"/>
             <a:r>
               <a:rPr lang="en-US" dirty="0" err="1">
                 <a:latin typeface="Arial" panose="020B0604020202020204" pitchFamily="34" charset="0"/>
